--- a/temp/DOC-20250309-WA0011. copy.pptx
+++ b/temp/DOC-20250309-WA0011. copy.pptx
@@ -5,13 +5,11 @@
     <p:sldMasterId id="2147483698" r:id="rId1"/>
   </p:sldMasterIdLst>
   <p:notesMasterIdLst>
-    <p:notesMasterId r:id="rId6"/>
+    <p:notesMasterId r:id="rId4"/>
   </p:notesMasterIdLst>
   <p:sldIdLst>
     <p:sldId id="304" r:id="rId2"/>
     <p:sldId id="305" r:id="rId3"/>
-    <p:sldId id="306" r:id="rId4"/>
-    <p:sldId id="307" r:id="rId5"/>
   </p:sldIdLst>
   <p:sldSz cx="12192000" cy="6858000"/>
   <p:notesSz cx="6858000" cy="9144000"/>
@@ -6281,14 +6279,13 @@
         </p:nvPicPr>
         <p:blipFill>
           <a:blip r:embed="rId2"/>
-          <a:stretch>
-            <a:fillRect/>
-          </a:stretch>
+          <a:srcRect/>
+          <a:stretch/>
         </p:blipFill>
         <p:spPr>
           <a:xfrm>
-            <a:off x="3009" y="-1"/>
-            <a:ext cx="12185984" cy="6858001"/>
+            <a:off x="3008" y="0"/>
+            <a:ext cx="12185984" cy="6858000"/>
           </a:xfrm>
           <a:prstGeom prst="rect">
             <a:avLst/>
@@ -6313,70 +6310,10 @@
   <p:cSld>
     <p:spTree>
       <p:nvGrpSpPr>
-        <p:cNvPr id="1" name=""/>
-        <p:cNvGrpSpPr/>
-        <p:nvPr/>
-      </p:nvGrpSpPr>
-      <p:grpSpPr>
-        <a:xfrm>
-          <a:off x="0" y="0"/>
-          <a:ext cx="0" cy="0"/>
-          <a:chOff x="0" y="0"/>
-          <a:chExt cx="0" cy="0"/>
-        </a:xfrm>
-      </p:grpSpPr>
-      <p:pic>
-        <p:nvPicPr>
-          <p:cNvPr id="5" name="Picture 4">
-            <a:extLst>
-              <a:ext uri="{FF2B5EF4-FFF2-40B4-BE49-F238E27FC236}">
-                <a16:creationId xmlns:a16="http://schemas.microsoft.com/office/drawing/2014/main" id="{9D1514EA-D385-65A1-CE80-3A54DD2B4DB8}"/>
-              </a:ext>
-            </a:extLst>
-          </p:cNvPr>
-          <p:cNvPicPr>
-            <a:picLocks noChangeAspect="1"/>
-          </p:cNvPicPr>
-          <p:nvPr/>
-        </p:nvPicPr>
-        <p:blipFill>
-          <a:blip r:embed="rId2"/>
-          <a:stretch>
-            <a:fillRect/>
-          </a:stretch>
-        </p:blipFill>
-        <p:spPr>
-          <a:xfrm>
-            <a:off x="3009" y="0"/>
-            <a:ext cx="12185982" cy="6858000"/>
-          </a:xfrm>
-          <a:prstGeom prst="rect">
-            <a:avLst/>
-          </a:prstGeom>
-        </p:spPr>
-      </p:pic>
-    </p:spTree>
-    <p:extLst>
-      <p:ext uri="{BB962C8B-B14F-4D97-AF65-F5344CB8AC3E}">
-        <p14:creationId xmlns:p14="http://schemas.microsoft.com/office/powerpoint/2010/main" val="1507206219"/>
-      </p:ext>
-    </p:extLst>
-  </p:cSld>
-  <p:clrMapOvr>
-    <a:masterClrMapping/>
-  </p:clrMapOvr>
-</p:sld>
-</file>
-
-<file path=ppt/slides/slide3.xml><?xml version="1.0" encoding="utf-8"?>
-<p:sld xmlns:a="http://schemas.openxmlformats.org/drawingml/2006/main" xmlns:r="http://schemas.openxmlformats.org/officeDocument/2006/relationships" xmlns:p="http://schemas.openxmlformats.org/presentationml/2006/main" showMasterSp="0">
-  <p:cSld>
-    <p:spTree>
-      <p:nvGrpSpPr>
         <p:cNvPr id="1" name="">
           <a:extLst>
             <a:ext uri="{FF2B5EF4-FFF2-40B4-BE49-F238E27FC236}">
-              <a16:creationId xmlns:a16="http://schemas.microsoft.com/office/drawing/2014/main" id="{25ACE039-FCA0-D0E1-CB9A-7D9F4DABC946}"/>
+              <a16:creationId xmlns:a16="http://schemas.microsoft.com/office/drawing/2014/main" id="{F3D1C44E-AD92-156F-1448-9F0B91848B68}"/>
             </a:ext>
           </a:extLst>
         </p:cNvPr>
@@ -6396,7 +6333,7 @@
           <p:cNvPr id="5" name="Picture 4">
             <a:extLst>
               <a:ext uri="{FF2B5EF4-FFF2-40B4-BE49-F238E27FC236}">
-                <a16:creationId xmlns:a16="http://schemas.microsoft.com/office/drawing/2014/main" id="{748E36F5-FB86-0B52-72DF-54BB611DCFEB}"/>
+                <a16:creationId xmlns:a16="http://schemas.microsoft.com/office/drawing/2014/main" id="{C87C3AEB-3D82-21D8-98A2-75EC06614FDC}"/>
               </a:ext>
             </a:extLst>
           </p:cNvPr>
@@ -6413,7 +6350,7 @@
         <p:spPr>
           <a:xfrm>
             <a:off x="3009" y="0"/>
-            <a:ext cx="12185982" cy="6857999"/>
+            <a:ext cx="12185982" cy="6858000"/>
           </a:xfrm>
           <a:prstGeom prst="rect">
             <a:avLst/>
@@ -6423,72 +6360,7 @@
     </p:spTree>
     <p:extLst>
       <p:ext uri="{BB962C8B-B14F-4D97-AF65-F5344CB8AC3E}">
-        <p14:creationId xmlns:p14="http://schemas.microsoft.com/office/powerpoint/2010/main" val="3625880856"/>
-      </p:ext>
-    </p:extLst>
-  </p:cSld>
-  <p:clrMapOvr>
-    <a:masterClrMapping/>
-  </p:clrMapOvr>
-</p:sld>
-</file>
-
-<file path=ppt/slides/slide4.xml><?xml version="1.0" encoding="utf-8"?>
-<p:sld xmlns:a="http://schemas.openxmlformats.org/drawingml/2006/main" xmlns:r="http://schemas.openxmlformats.org/officeDocument/2006/relationships" xmlns:p="http://schemas.openxmlformats.org/presentationml/2006/main" showMasterSp="0">
-  <p:cSld>
-    <p:spTree>
-      <p:nvGrpSpPr>
-        <p:cNvPr id="1" name="">
-          <a:extLst>
-            <a:ext uri="{FF2B5EF4-FFF2-40B4-BE49-F238E27FC236}">
-              <a16:creationId xmlns:a16="http://schemas.microsoft.com/office/drawing/2014/main" id="{4BDDE922-4305-0AE3-09EE-0B40C4DA852B}"/>
-            </a:ext>
-          </a:extLst>
-        </p:cNvPr>
-        <p:cNvGrpSpPr/>
-        <p:nvPr/>
-      </p:nvGrpSpPr>
-      <p:grpSpPr>
-        <a:xfrm>
-          <a:off x="0" y="0"/>
-          <a:ext cx="0" cy="0"/>
-          <a:chOff x="0" y="0"/>
-          <a:chExt cx="0" cy="0"/>
-        </a:xfrm>
-      </p:grpSpPr>
-      <p:pic>
-        <p:nvPicPr>
-          <p:cNvPr id="5" name="Picture 4">
-            <a:extLst>
-              <a:ext uri="{FF2B5EF4-FFF2-40B4-BE49-F238E27FC236}">
-                <a16:creationId xmlns:a16="http://schemas.microsoft.com/office/drawing/2014/main" id="{E123AF2A-67FD-1FC4-2F5D-ED11D1596772}"/>
-              </a:ext>
-            </a:extLst>
-          </p:cNvPr>
-          <p:cNvPicPr>
-            <a:picLocks noChangeAspect="1"/>
-          </p:cNvPicPr>
-          <p:nvPr/>
-        </p:nvPicPr>
-        <p:blipFill>
-          <a:blip r:embed="rId2"/>
-          <a:srcRect/>
-          <a:stretch/>
-        </p:blipFill>
-        <p:spPr>
-          <a:xfrm>
-            <a:off x="3010" y="0"/>
-            <a:ext cx="12185980" cy="6857999"/>
-          </a:xfrm>
-          <a:prstGeom prst="rect">
-            <a:avLst/>
-          </a:prstGeom>
-        </p:spPr>
-      </p:pic>
-    </p:spTree>
-    <p:extLst>
-      <p:ext uri="{BB962C8B-B14F-4D97-AF65-F5344CB8AC3E}">
-        <p14:creationId xmlns:p14="http://schemas.microsoft.com/office/powerpoint/2010/main" val="1544409754"/>
+        <p14:creationId xmlns:p14="http://schemas.microsoft.com/office/powerpoint/2010/main" val="1631747204"/>
       </p:ext>
     </p:extLst>
   </p:cSld>

--- a/temp/DOC-20250309-WA0011. copy.pptx
+++ b/temp/DOC-20250309-WA0011. copy.pptx
@@ -5,11 +5,13 @@
     <p:sldMasterId id="2147483698" r:id="rId1"/>
   </p:sldMasterIdLst>
   <p:notesMasterIdLst>
-    <p:notesMasterId r:id="rId4"/>
+    <p:notesMasterId r:id="rId6"/>
   </p:notesMasterIdLst>
   <p:sldIdLst>
     <p:sldId id="304" r:id="rId2"/>
     <p:sldId id="305" r:id="rId3"/>
+    <p:sldId id="306" r:id="rId4"/>
+    <p:sldId id="307" r:id="rId5"/>
   </p:sldIdLst>
   <p:sldSz cx="12192000" cy="6858000"/>
   <p:notesSz cx="6858000" cy="9144000"/>
@@ -6284,8 +6286,8 @@
         </p:blipFill>
         <p:spPr>
           <a:xfrm>
-            <a:off x="3008" y="0"/>
-            <a:ext cx="12185984" cy="6858000"/>
+            <a:off x="3009" y="0"/>
+            <a:ext cx="12185982" cy="6858000"/>
           </a:xfrm>
           <a:prstGeom prst="rect">
             <a:avLst/>
@@ -6350,7 +6352,7 @@
         <p:spPr>
           <a:xfrm>
             <a:off x="3009" y="0"/>
-            <a:ext cx="12185982" cy="6858000"/>
+            <a:ext cx="12185982" cy="6857999"/>
           </a:xfrm>
           <a:prstGeom prst="rect">
             <a:avLst/>
@@ -6361,6 +6363,136 @@
     <p:extLst>
       <p:ext uri="{BB962C8B-B14F-4D97-AF65-F5344CB8AC3E}">
         <p14:creationId xmlns:p14="http://schemas.microsoft.com/office/powerpoint/2010/main" val="1631747204"/>
+      </p:ext>
+    </p:extLst>
+  </p:cSld>
+  <p:clrMapOvr>
+    <a:masterClrMapping/>
+  </p:clrMapOvr>
+</p:sld>
+</file>
+
+<file path=ppt/slides/slide3.xml><?xml version="1.0" encoding="utf-8"?>
+<p:sld xmlns:a="http://schemas.openxmlformats.org/drawingml/2006/main" xmlns:r="http://schemas.openxmlformats.org/officeDocument/2006/relationships" xmlns:p="http://schemas.openxmlformats.org/presentationml/2006/main" showMasterSp="0">
+  <p:cSld>
+    <p:spTree>
+      <p:nvGrpSpPr>
+        <p:cNvPr id="1" name="">
+          <a:extLst>
+            <a:ext uri="{FF2B5EF4-FFF2-40B4-BE49-F238E27FC236}">
+              <a16:creationId xmlns:a16="http://schemas.microsoft.com/office/drawing/2014/main" id="{75CBE9AE-FFBA-6E78-7124-FEA143E6AB8F}"/>
+            </a:ext>
+          </a:extLst>
+        </p:cNvPr>
+        <p:cNvGrpSpPr/>
+        <p:nvPr/>
+      </p:nvGrpSpPr>
+      <p:grpSpPr>
+        <a:xfrm>
+          <a:off x="0" y="0"/>
+          <a:ext cx="0" cy="0"/>
+          <a:chOff x="0" y="0"/>
+          <a:chExt cx="0" cy="0"/>
+        </a:xfrm>
+      </p:grpSpPr>
+      <p:pic>
+        <p:nvPicPr>
+          <p:cNvPr id="5" name="Picture 4">
+            <a:extLst>
+              <a:ext uri="{FF2B5EF4-FFF2-40B4-BE49-F238E27FC236}">
+                <a16:creationId xmlns:a16="http://schemas.microsoft.com/office/drawing/2014/main" id="{59DD0D3F-2127-4A59-06AF-8EB63461B71A}"/>
+              </a:ext>
+            </a:extLst>
+          </p:cNvPr>
+          <p:cNvPicPr>
+            <a:picLocks noChangeAspect="1"/>
+          </p:cNvPicPr>
+          <p:nvPr/>
+        </p:nvPicPr>
+        <p:blipFill>
+          <a:blip r:embed="rId2"/>
+          <a:srcRect/>
+          <a:stretch/>
+        </p:blipFill>
+        <p:spPr>
+          <a:xfrm>
+            <a:off x="3010" y="0"/>
+            <a:ext cx="12185980" cy="6857999"/>
+          </a:xfrm>
+          <a:prstGeom prst="rect">
+            <a:avLst/>
+          </a:prstGeom>
+        </p:spPr>
+      </p:pic>
+    </p:spTree>
+    <p:extLst>
+      <p:ext uri="{BB962C8B-B14F-4D97-AF65-F5344CB8AC3E}">
+        <p14:creationId xmlns:p14="http://schemas.microsoft.com/office/powerpoint/2010/main" val="3643243225"/>
+      </p:ext>
+    </p:extLst>
+  </p:cSld>
+  <p:clrMapOvr>
+    <a:masterClrMapping/>
+  </p:clrMapOvr>
+</p:sld>
+</file>
+
+<file path=ppt/slides/slide4.xml><?xml version="1.0" encoding="utf-8"?>
+<p:sld xmlns:a="http://schemas.openxmlformats.org/drawingml/2006/main" xmlns:r="http://schemas.openxmlformats.org/officeDocument/2006/relationships" xmlns:p="http://schemas.openxmlformats.org/presentationml/2006/main" showMasterSp="0">
+  <p:cSld>
+    <p:spTree>
+      <p:nvGrpSpPr>
+        <p:cNvPr id="1" name="">
+          <a:extLst>
+            <a:ext uri="{FF2B5EF4-FFF2-40B4-BE49-F238E27FC236}">
+              <a16:creationId xmlns:a16="http://schemas.microsoft.com/office/drawing/2014/main" id="{6EB29FCC-50C7-6610-5E1A-67B68B095D61}"/>
+            </a:ext>
+          </a:extLst>
+        </p:cNvPr>
+        <p:cNvGrpSpPr/>
+        <p:nvPr/>
+      </p:nvGrpSpPr>
+      <p:grpSpPr>
+        <a:xfrm>
+          <a:off x="0" y="0"/>
+          <a:ext cx="0" cy="0"/>
+          <a:chOff x="0" y="0"/>
+          <a:chExt cx="0" cy="0"/>
+        </a:xfrm>
+      </p:grpSpPr>
+      <p:pic>
+        <p:nvPicPr>
+          <p:cNvPr id="5" name="Picture 4">
+            <a:extLst>
+              <a:ext uri="{FF2B5EF4-FFF2-40B4-BE49-F238E27FC236}">
+                <a16:creationId xmlns:a16="http://schemas.microsoft.com/office/drawing/2014/main" id="{E3115229-F45D-823C-173A-8CB3436A97D0}"/>
+              </a:ext>
+            </a:extLst>
+          </p:cNvPr>
+          <p:cNvPicPr>
+            <a:picLocks noChangeAspect="1"/>
+          </p:cNvPicPr>
+          <p:nvPr/>
+        </p:nvPicPr>
+        <p:blipFill>
+          <a:blip r:embed="rId2"/>
+          <a:srcRect/>
+          <a:stretch/>
+        </p:blipFill>
+        <p:spPr>
+          <a:xfrm>
+            <a:off x="3010" y="1"/>
+            <a:ext cx="12185980" cy="6857998"/>
+          </a:xfrm>
+          <a:prstGeom prst="rect">
+            <a:avLst/>
+          </a:prstGeom>
+        </p:spPr>
+      </p:pic>
+    </p:spTree>
+    <p:extLst>
+      <p:ext uri="{BB962C8B-B14F-4D97-AF65-F5344CB8AC3E}">
+        <p14:creationId xmlns:p14="http://schemas.microsoft.com/office/powerpoint/2010/main" val="537257994"/>
       </p:ext>
     </p:extLst>
   </p:cSld>

--- a/temp/DOC-20250309-WA0011. copy.pptx
+++ b/temp/DOC-20250309-WA0011. copy.pptx
@@ -5,13 +5,14 @@
     <p:sldMasterId id="2147483698" r:id="rId1"/>
   </p:sldMasterIdLst>
   <p:notesMasterIdLst>
-    <p:notesMasterId r:id="rId6"/>
+    <p:notesMasterId r:id="rId7"/>
   </p:notesMasterIdLst>
   <p:sldIdLst>
     <p:sldId id="304" r:id="rId2"/>
     <p:sldId id="305" r:id="rId3"/>
     <p:sldId id="306" r:id="rId4"/>
     <p:sldId id="307" r:id="rId5"/>
+    <p:sldId id="308" r:id="rId6"/>
   </p:sldIdLst>
   <p:sldSz cx="12192000" cy="6858000"/>
   <p:notesSz cx="6858000" cy="9144000"/>
@@ -6502,6 +6503,71 @@
 </p:sld>
 </file>
 
+<file path=ppt/slides/slide5.xml><?xml version="1.0" encoding="utf-8"?>
+<p:sld xmlns:a="http://schemas.openxmlformats.org/drawingml/2006/main" xmlns:r="http://schemas.openxmlformats.org/officeDocument/2006/relationships" xmlns:p="http://schemas.openxmlformats.org/presentationml/2006/main" showMasterSp="0">
+  <p:cSld>
+    <p:spTree>
+      <p:nvGrpSpPr>
+        <p:cNvPr id="1" name="">
+          <a:extLst>
+            <a:ext uri="{FF2B5EF4-FFF2-40B4-BE49-F238E27FC236}">
+              <a16:creationId xmlns:a16="http://schemas.microsoft.com/office/drawing/2014/main" id="{C236C521-8776-A2E5-CB37-E7A60C049F47}"/>
+            </a:ext>
+          </a:extLst>
+        </p:cNvPr>
+        <p:cNvGrpSpPr/>
+        <p:nvPr/>
+      </p:nvGrpSpPr>
+      <p:grpSpPr>
+        <a:xfrm>
+          <a:off x="0" y="0"/>
+          <a:ext cx="0" cy="0"/>
+          <a:chOff x="0" y="0"/>
+          <a:chExt cx="0" cy="0"/>
+        </a:xfrm>
+      </p:grpSpPr>
+      <p:pic>
+        <p:nvPicPr>
+          <p:cNvPr id="5" name="Picture 4">
+            <a:extLst>
+              <a:ext uri="{FF2B5EF4-FFF2-40B4-BE49-F238E27FC236}">
+                <a16:creationId xmlns:a16="http://schemas.microsoft.com/office/drawing/2014/main" id="{65B1D60F-0C5A-C6F0-F37B-CE26DAA4B72B}"/>
+              </a:ext>
+            </a:extLst>
+          </p:cNvPr>
+          <p:cNvPicPr>
+            <a:picLocks noChangeAspect="1"/>
+          </p:cNvPicPr>
+          <p:nvPr/>
+        </p:nvPicPr>
+        <p:blipFill>
+          <a:blip r:embed="rId2"/>
+          <a:srcRect/>
+          <a:stretch/>
+        </p:blipFill>
+        <p:spPr>
+          <a:xfrm>
+            <a:off x="3011" y="1"/>
+            <a:ext cx="12185978" cy="6857998"/>
+          </a:xfrm>
+          <a:prstGeom prst="rect">
+            <a:avLst/>
+          </a:prstGeom>
+        </p:spPr>
+      </p:pic>
+    </p:spTree>
+    <p:extLst>
+      <p:ext uri="{BB962C8B-B14F-4D97-AF65-F5344CB8AC3E}">
+        <p14:creationId xmlns:p14="http://schemas.microsoft.com/office/powerpoint/2010/main" val="1407176312"/>
+      </p:ext>
+    </p:extLst>
+  </p:cSld>
+  <p:clrMapOvr>
+    <a:masterClrMapping/>
+  </p:clrMapOvr>
+</p:sld>
+</file>
+
 <file path=ppt/theme/theme1.xml><?xml version="1.0" encoding="utf-8"?>
 <a:theme xmlns:a="http://schemas.openxmlformats.org/drawingml/2006/main" name="Facet">
   <a:themeElements>
